--- a/poster/poster_ml-v2.pptx
+++ b/poster/poster_ml-v2.pptx
@@ -5348,7 +5348,7 @@
               <a:graphicData uri="http://schemas.openxmlformats.org/presentationml/2006/ole">
                 <mc:AlternateContent xmlns:mc="http://schemas.openxmlformats.org/markup-compatibility/2006">
                   <mc:Choice xmlns:v="urn:schemas-microsoft-com:vml" Requires="v">
-                    <p:oleObj spid="_x0000_s1148" name="Image" r:id="rId8" imgW="1828440" imgH="1117440" progId="Photoshop.Image.13">
+                    <p:oleObj spid="_x0000_s1152" name="Image" r:id="rId8" imgW="1828440" imgH="1117440" progId="Photoshop.Image.13">
                       <p:embed/>
                     </p:oleObj>
                   </mc:Choice>
@@ -5405,7 +5405,7 @@
               <a:graphicData uri="http://schemas.openxmlformats.org/presentationml/2006/ole">
                 <mc:AlternateContent xmlns:mc="http://schemas.openxmlformats.org/markup-compatibility/2006">
                   <mc:Choice xmlns:v="urn:schemas-microsoft-com:vml" Requires="v">
-                    <p:oleObj spid="_x0000_s1149" name="Image" r:id="rId10" imgW="1828440" imgH="1117440" progId="Photoshop.Image.13">
+                    <p:oleObj spid="_x0000_s1153" name="Image" r:id="rId10" imgW="1828440" imgH="1117440" progId="Photoshop.Image.13">
                       <p:embed/>
                     </p:oleObj>
                   </mc:Choice>
@@ -6528,7 +6528,7 @@
             <a:graphicData uri="http://schemas.openxmlformats.org/presentationml/2006/ole">
               <mc:AlternateContent xmlns:mc="http://schemas.openxmlformats.org/markup-compatibility/2006">
                 <mc:Choice xmlns:v="urn:schemas-microsoft-com:vml" Requires="v">
-                  <p:oleObj spid="_x0000_s1150" name="Image" r:id="rId12" imgW="4571280" imgH="1688760" progId="Photoshop.Image.13">
+                  <p:oleObj spid="_x0000_s1154" name="Image" r:id="rId12" imgW="4571280" imgH="1688760" progId="Photoshop.Image.13">
                     <p:embed/>
                   </p:oleObj>
                 </mc:Choice>
@@ -6612,7 +6612,7 @@
             <a:graphicData uri="http://schemas.openxmlformats.org/presentationml/2006/ole">
               <mc:AlternateContent xmlns:mc="http://schemas.openxmlformats.org/markup-compatibility/2006">
                 <mc:Choice xmlns:v="urn:schemas-microsoft-com:vml" Requires="v">
-                  <p:oleObj spid="_x0000_s1151" name="Image" r:id="rId15" imgW="1574280" imgH="1053720" progId="Photoshop.Image.13">
+                  <p:oleObj spid="_x0000_s1155" name="Image" r:id="rId15" imgW="1574280" imgH="1053720" progId="Photoshop.Image.13">
                     <p:embed/>
                   </p:oleObj>
                 </mc:Choice>
@@ -8594,7 +8594,7 @@
             <a:graphicData uri="http://schemas.openxmlformats.org/presentationml/2006/ole">
               <mc:AlternateContent xmlns:mc="http://schemas.openxmlformats.org/markup-compatibility/2006">
                 <mc:Choice xmlns:v="urn:schemas-microsoft-com:vml" Requires="v">
-                  <p:oleObj spid="_x0000_s2172" name="Image" r:id="rId4" imgW="4571280" imgH="1688760" progId="Photoshop.Image.13">
+                  <p:oleObj spid="_x0000_s2176" name="Image" r:id="rId4" imgW="4571280" imgH="1688760" progId="Photoshop.Image.13">
                     <p:embed/>
                   </p:oleObj>
                 </mc:Choice>
@@ -8678,7 +8678,7 @@
             <a:graphicData uri="http://schemas.openxmlformats.org/presentationml/2006/ole">
               <mc:AlternateContent xmlns:mc="http://schemas.openxmlformats.org/markup-compatibility/2006">
                 <mc:Choice xmlns:v="urn:schemas-microsoft-com:vml" Requires="v">
-                  <p:oleObj spid="_x0000_s2173" name="Image" r:id="rId7" imgW="1574280" imgH="1053720" progId="Photoshop.Image.13">
+                  <p:oleObj spid="_x0000_s2177" name="Image" r:id="rId7" imgW="1574280" imgH="1053720" progId="Photoshop.Image.13">
                     <p:embed/>
                   </p:oleObj>
                 </mc:Choice>
@@ -10187,7 +10187,7 @@
               <a:graphicData uri="http://schemas.openxmlformats.org/presentationml/2006/ole">
                 <mc:AlternateContent xmlns:mc="http://schemas.openxmlformats.org/markup-compatibility/2006">
                   <mc:Choice xmlns:v="urn:schemas-microsoft-com:vml" Requires="v">
-                    <p:oleObj spid="_x0000_s2174" name="Image" r:id="rId15" imgW="1828440" imgH="1117440" progId="Photoshop.Image.13">
+                    <p:oleObj spid="_x0000_s2178" name="Image" r:id="rId15" imgW="1828440" imgH="1117440" progId="Photoshop.Image.13">
                       <p:embed/>
                     </p:oleObj>
                   </mc:Choice>
@@ -10244,7 +10244,7 @@
               <a:graphicData uri="http://schemas.openxmlformats.org/presentationml/2006/ole">
                 <mc:AlternateContent xmlns:mc="http://schemas.openxmlformats.org/markup-compatibility/2006">
                   <mc:Choice xmlns:v="urn:schemas-microsoft-com:vml" Requires="v">
-                    <p:oleObj spid="_x0000_s2175" name="Image" r:id="rId17" imgW="1828440" imgH="1117440" progId="Photoshop.Image.13">
+                    <p:oleObj spid="_x0000_s2179" name="Image" r:id="rId17" imgW="1828440" imgH="1117440" progId="Photoshop.Image.13">
                       <p:embed/>
                     </p:oleObj>
                   </mc:Choice>
@@ -12030,7 +12030,7 @@
             <a:graphicData uri="http://schemas.openxmlformats.org/presentationml/2006/ole">
               <mc:AlternateContent xmlns:mc="http://schemas.openxmlformats.org/markup-compatibility/2006">
                 <mc:Choice xmlns:v="urn:schemas-microsoft-com:vml" Requires="v">
-                  <p:oleObj spid="_x0000_s3196" name="Image" r:id="rId4" imgW="4571280" imgH="1688760" progId="Photoshop.Image.13">
+                  <p:oleObj spid="_x0000_s3200" name="Image" r:id="rId4" imgW="4571280" imgH="1688760" progId="Photoshop.Image.13">
                     <p:embed/>
                   </p:oleObj>
                 </mc:Choice>
@@ -12114,7 +12114,7 @@
             <a:graphicData uri="http://schemas.openxmlformats.org/presentationml/2006/ole">
               <mc:AlternateContent xmlns:mc="http://schemas.openxmlformats.org/markup-compatibility/2006">
                 <mc:Choice xmlns:v="urn:schemas-microsoft-com:vml" Requires="v">
-                  <p:oleObj spid="_x0000_s3197" name="Image" r:id="rId7" imgW="1574280" imgH="1053720" progId="Photoshop.Image.13">
+                  <p:oleObj spid="_x0000_s3201" name="Image" r:id="rId7" imgW="1574280" imgH="1053720" progId="Photoshop.Image.13">
                     <p:embed/>
                   </p:oleObj>
                 </mc:Choice>
@@ -13623,7 +13623,7 @@
               <a:graphicData uri="http://schemas.openxmlformats.org/presentationml/2006/ole">
                 <mc:AlternateContent xmlns:mc="http://schemas.openxmlformats.org/markup-compatibility/2006">
                   <mc:Choice xmlns:v="urn:schemas-microsoft-com:vml" Requires="v">
-                    <p:oleObj spid="_x0000_s3198" name="Image" r:id="rId15" imgW="1828440" imgH="1117440" progId="Photoshop.Image.13">
+                    <p:oleObj spid="_x0000_s3202" name="Image" r:id="rId15" imgW="1828440" imgH="1117440" progId="Photoshop.Image.13">
                       <p:embed/>
                     </p:oleObj>
                   </mc:Choice>
@@ -13680,7 +13680,7 @@
               <a:graphicData uri="http://schemas.openxmlformats.org/presentationml/2006/ole">
                 <mc:AlternateContent xmlns:mc="http://schemas.openxmlformats.org/markup-compatibility/2006">
                   <mc:Choice xmlns:v="urn:schemas-microsoft-com:vml" Requires="v">
-                    <p:oleObj spid="_x0000_s3199" name="Image" r:id="rId17" imgW="1828440" imgH="1117440" progId="Photoshop.Image.13">
+                    <p:oleObj spid="_x0000_s3203" name="Image" r:id="rId17" imgW="1828440" imgH="1117440" progId="Photoshop.Image.13">
                       <p:embed/>
                     </p:oleObj>
                   </mc:Choice>
@@ -14179,7 +14179,7 @@
         <p:spPr>
           <a:xfrm>
             <a:off x="700420" y="7864929"/>
-            <a:ext cx="8581359" cy="4651508"/>
+            <a:ext cx="8581359" cy="3203741"/>
           </a:xfrm>
         </p:spPr>
         <p:txBody>
